--- a/Week13/01 Introduction to the Course.pptx
+++ b/Week13/01 Introduction to the Course.pptx
@@ -122,6 +122,110 @@
 </p:presentation>
 </file>
 
+<file path=ppt/changesInfos/changesInfo1.xml><?xml version="1.0" encoding="utf-8"?>
+<pc:chgInfo xmlns:a="http://schemas.openxmlformats.org/drawingml/2006/main" xmlns:r="http://schemas.openxmlformats.org/officeDocument/2006/relationships" xmlns:ac="http://schemas.microsoft.com/office/drawing/2013/main/command" xmlns:pc="http://schemas.microsoft.com/office/powerpoint/2013/main/command">
+  <pc:docChgLst>
+    <pc:chgData name="Chuck Kiefriter" userId="a996b49251c4dfd2" providerId="LiveId" clId="{238D797F-DFDB-4710-B5E2-8F22DDCBE41B}"/>
+    <pc:docChg chg="custSel modSld">
+      <pc:chgData name="Chuck Kiefriter" userId="a996b49251c4dfd2" providerId="LiveId" clId="{238D797F-DFDB-4710-B5E2-8F22DDCBE41B}" dt="2024-05-01T23:10:23.470" v="6" actId="14100"/>
+      <pc:docMkLst>
+        <pc:docMk/>
+      </pc:docMkLst>
+      <pc:sldChg chg="modSp mod">
+        <pc:chgData name="Chuck Kiefriter" userId="a996b49251c4dfd2" providerId="LiveId" clId="{238D797F-DFDB-4710-B5E2-8F22DDCBE41B}" dt="2024-05-01T23:09:51.594" v="4" actId="14100"/>
+        <pc:sldMkLst>
+          <pc:docMk/>
+          <pc:sldMk cId="20095538" sldId="259"/>
+        </pc:sldMkLst>
+        <pc:spChg chg="mod">
+          <ac:chgData name="Chuck Kiefriter" userId="a996b49251c4dfd2" providerId="LiveId" clId="{238D797F-DFDB-4710-B5E2-8F22DDCBE41B}" dt="2024-05-01T23:09:51.594" v="4" actId="14100"/>
+          <ac:spMkLst>
+            <pc:docMk/>
+            <pc:sldMk cId="20095538" sldId="259"/>
+            <ac:spMk id="3" creationId="{484D910D-6BEB-81EF-7461-075E09F468AF}"/>
+          </ac:spMkLst>
+        </pc:spChg>
+      </pc:sldChg>
+      <pc:sldChg chg="modSp mod">
+        <pc:chgData name="Chuck Kiefriter" userId="a996b49251c4dfd2" providerId="LiveId" clId="{238D797F-DFDB-4710-B5E2-8F22DDCBE41B}" dt="2024-05-01T23:09:18.629" v="3" actId="14100"/>
+        <pc:sldMkLst>
+          <pc:docMk/>
+          <pc:sldMk cId="2317415927" sldId="260"/>
+        </pc:sldMkLst>
+        <pc:spChg chg="mod">
+          <ac:chgData name="Chuck Kiefriter" userId="a996b49251c4dfd2" providerId="LiveId" clId="{238D797F-DFDB-4710-B5E2-8F22DDCBE41B}" dt="2024-05-01T23:09:18.629" v="3" actId="14100"/>
+          <ac:spMkLst>
+            <pc:docMk/>
+            <pc:sldMk cId="2317415927" sldId="260"/>
+            <ac:spMk id="3" creationId="{0B7D00B0-FAAA-1669-96A1-AFDC0F162B4F}"/>
+          </ac:spMkLst>
+        </pc:spChg>
+      </pc:sldChg>
+      <pc:sldChg chg="modSp mod">
+        <pc:chgData name="Chuck Kiefriter" userId="a996b49251c4dfd2" providerId="LiveId" clId="{238D797F-DFDB-4710-B5E2-8F22DDCBE41B}" dt="2024-05-01T23:08:30.481" v="1" actId="27636"/>
+        <pc:sldMkLst>
+          <pc:docMk/>
+          <pc:sldMk cId="3469406127" sldId="261"/>
+        </pc:sldMkLst>
+        <pc:spChg chg="mod">
+          <ac:chgData name="Chuck Kiefriter" userId="a996b49251c4dfd2" providerId="LiveId" clId="{238D797F-DFDB-4710-B5E2-8F22DDCBE41B}" dt="2024-05-01T23:08:30.481" v="1" actId="27636"/>
+          <ac:spMkLst>
+            <pc:docMk/>
+            <pc:sldMk cId="3469406127" sldId="261"/>
+            <ac:spMk id="3" creationId="{34FB6F5E-7F56-47E3-10DF-BC847759F3CF}"/>
+          </ac:spMkLst>
+        </pc:spChg>
+      </pc:sldChg>
+      <pc:sldChg chg="modSp mod">
+        <pc:chgData name="Chuck Kiefriter" userId="a996b49251c4dfd2" providerId="LiveId" clId="{238D797F-DFDB-4710-B5E2-8F22DDCBE41B}" dt="2024-05-01T23:10:10.442" v="5" actId="14100"/>
+        <pc:sldMkLst>
+          <pc:docMk/>
+          <pc:sldMk cId="2011040711" sldId="262"/>
+        </pc:sldMkLst>
+        <pc:spChg chg="mod">
+          <ac:chgData name="Chuck Kiefriter" userId="a996b49251c4dfd2" providerId="LiveId" clId="{238D797F-DFDB-4710-B5E2-8F22DDCBE41B}" dt="2024-05-01T23:10:10.442" v="5" actId="14100"/>
+          <ac:spMkLst>
+            <pc:docMk/>
+            <pc:sldMk cId="2011040711" sldId="262"/>
+            <ac:spMk id="3" creationId="{0F70C843-00F4-F83C-D35E-42DD62F1EA5E}"/>
+          </ac:spMkLst>
+        </pc:spChg>
+      </pc:sldChg>
+      <pc:sldChg chg="modSp mod">
+        <pc:chgData name="Chuck Kiefriter" userId="a996b49251c4dfd2" providerId="LiveId" clId="{238D797F-DFDB-4710-B5E2-8F22DDCBE41B}" dt="2024-05-01T23:10:23.470" v="6" actId="14100"/>
+        <pc:sldMkLst>
+          <pc:docMk/>
+          <pc:sldMk cId="4256977408" sldId="263"/>
+        </pc:sldMkLst>
+        <pc:spChg chg="mod">
+          <ac:chgData name="Chuck Kiefriter" userId="a996b49251c4dfd2" providerId="LiveId" clId="{238D797F-DFDB-4710-B5E2-8F22DDCBE41B}" dt="2024-05-01T23:10:23.470" v="6" actId="14100"/>
+          <ac:spMkLst>
+            <pc:docMk/>
+            <pc:sldMk cId="4256977408" sldId="263"/>
+            <ac:spMk id="3" creationId="{F91887D7-034C-5FD9-09B5-DCA1B2CD395E}"/>
+          </ac:spMkLst>
+        </pc:spChg>
+      </pc:sldChg>
+      <pc:sldChg chg="modSp mod">
+        <pc:chgData name="Chuck Kiefriter" userId="a996b49251c4dfd2" providerId="LiveId" clId="{238D797F-DFDB-4710-B5E2-8F22DDCBE41B}" dt="2024-05-01T23:09:01.680" v="2" actId="14100"/>
+        <pc:sldMkLst>
+          <pc:docMk/>
+          <pc:sldMk cId="2798737416" sldId="264"/>
+        </pc:sldMkLst>
+        <pc:spChg chg="mod">
+          <ac:chgData name="Chuck Kiefriter" userId="a996b49251c4dfd2" providerId="LiveId" clId="{238D797F-DFDB-4710-B5E2-8F22DDCBE41B}" dt="2024-05-01T23:09:01.680" v="2" actId="14100"/>
+          <ac:spMkLst>
+            <pc:docMk/>
+            <pc:sldMk cId="2798737416" sldId="264"/>
+            <ac:spMk id="3" creationId="{FB197616-816C-2E4D-23D6-4A487209757C}"/>
+          </ac:spMkLst>
+        </pc:spChg>
+      </pc:sldChg>
+    </pc:docChg>
+  </pc:docChgLst>
+</pc:chgInfo>
+</file>
+
 <file path=ppt/slideLayouts/slideLayout1.xml><?xml version="1.0" encoding="utf-8"?>
 <p:sldLayout xmlns:a="http://schemas.openxmlformats.org/drawingml/2006/main" xmlns:r="http://schemas.openxmlformats.org/officeDocument/2006/relationships" xmlns:p="http://schemas.openxmlformats.org/presentationml/2006/main" type="title" preserve="1">
   <p:cSld name="Title Slide">
@@ -253,7 +357,7 @@
           <a:p>
             <a:fld id="{0EAA0B2D-A2C3-4A0F-BB38-2C1DF97D60A9}" type="datetimeFigureOut">
               <a:rPr lang="en-US" smtClean="0"/>
-              <a:t>10/22/2022</a:t>
+              <a:t>5/1/2024</a:t>
             </a:fld>
             <a:endParaRPr lang="en-US"/>
           </a:p>
@@ -423,7 +527,7 @@
           <a:p>
             <a:fld id="{0EAA0B2D-A2C3-4A0F-BB38-2C1DF97D60A9}" type="datetimeFigureOut">
               <a:rPr lang="en-US" smtClean="0"/>
-              <a:t>10/22/2022</a:t>
+              <a:t>5/1/2024</a:t>
             </a:fld>
             <a:endParaRPr lang="en-US"/>
           </a:p>
@@ -603,7 +707,7 @@
           <a:p>
             <a:fld id="{0EAA0B2D-A2C3-4A0F-BB38-2C1DF97D60A9}" type="datetimeFigureOut">
               <a:rPr lang="en-US" smtClean="0"/>
-              <a:t>10/22/2022</a:t>
+              <a:t>5/1/2024</a:t>
             </a:fld>
             <a:endParaRPr lang="en-US"/>
           </a:p>
@@ -773,7 +877,7 @@
           <a:p>
             <a:fld id="{0EAA0B2D-A2C3-4A0F-BB38-2C1DF97D60A9}" type="datetimeFigureOut">
               <a:rPr lang="en-US" smtClean="0"/>
-              <a:t>10/22/2022</a:t>
+              <a:t>5/1/2024</a:t>
             </a:fld>
             <a:endParaRPr lang="en-US"/>
           </a:p>
@@ -1019,7 +1123,7 @@
           <a:p>
             <a:fld id="{0EAA0B2D-A2C3-4A0F-BB38-2C1DF97D60A9}" type="datetimeFigureOut">
               <a:rPr lang="en-US" smtClean="0"/>
-              <a:t>10/22/2022</a:t>
+              <a:t>5/1/2024</a:t>
             </a:fld>
             <a:endParaRPr lang="en-US"/>
           </a:p>
@@ -1251,7 +1355,7 @@
           <a:p>
             <a:fld id="{0EAA0B2D-A2C3-4A0F-BB38-2C1DF97D60A9}" type="datetimeFigureOut">
               <a:rPr lang="en-US" smtClean="0"/>
-              <a:t>10/22/2022</a:t>
+              <a:t>5/1/2024</a:t>
             </a:fld>
             <a:endParaRPr lang="en-US"/>
           </a:p>
@@ -1618,7 +1722,7 @@
           <a:p>
             <a:fld id="{0EAA0B2D-A2C3-4A0F-BB38-2C1DF97D60A9}" type="datetimeFigureOut">
               <a:rPr lang="en-US" smtClean="0"/>
-              <a:t>10/22/2022</a:t>
+              <a:t>5/1/2024</a:t>
             </a:fld>
             <a:endParaRPr lang="en-US"/>
           </a:p>
@@ -1736,7 +1840,7 @@
           <a:p>
             <a:fld id="{0EAA0B2D-A2C3-4A0F-BB38-2C1DF97D60A9}" type="datetimeFigureOut">
               <a:rPr lang="en-US" smtClean="0"/>
-              <a:t>10/22/2022</a:t>
+              <a:t>5/1/2024</a:t>
             </a:fld>
             <a:endParaRPr lang="en-US"/>
           </a:p>
@@ -1831,7 +1935,7 @@
           <a:p>
             <a:fld id="{0EAA0B2D-A2C3-4A0F-BB38-2C1DF97D60A9}" type="datetimeFigureOut">
               <a:rPr lang="en-US" smtClean="0"/>
-              <a:t>10/22/2022</a:t>
+              <a:t>5/1/2024</a:t>
             </a:fld>
             <a:endParaRPr lang="en-US"/>
           </a:p>
@@ -2108,7 +2212,7 @@
           <a:p>
             <a:fld id="{0EAA0B2D-A2C3-4A0F-BB38-2C1DF97D60A9}" type="datetimeFigureOut">
               <a:rPr lang="en-US" smtClean="0"/>
-              <a:t>10/22/2022</a:t>
+              <a:t>5/1/2024</a:t>
             </a:fld>
             <a:endParaRPr lang="en-US"/>
           </a:p>
@@ -2365,7 +2469,7 @@
           <a:p>
             <a:fld id="{0EAA0B2D-A2C3-4A0F-BB38-2C1DF97D60A9}" type="datetimeFigureOut">
               <a:rPr lang="en-US" smtClean="0"/>
-              <a:t>10/22/2022</a:t>
+              <a:t>5/1/2024</a:t>
             </a:fld>
             <a:endParaRPr lang="en-US"/>
           </a:p>
@@ -2578,7 +2682,7 @@
           <a:p>
             <a:fld id="{0EAA0B2D-A2C3-4A0F-BB38-2C1DF97D60A9}" type="datetimeFigureOut">
               <a:rPr lang="en-US" smtClean="0"/>
-              <a:t>10/22/2022</a:t>
+              <a:t>5/1/2024</a:t>
             </a:fld>
             <a:endParaRPr lang="en-US"/>
           </a:p>
@@ -3418,12 +3522,12 @@
         <p:spPr>
           <a:xfrm>
             <a:off x="838200" y="1825625"/>
-            <a:ext cx="5736771" cy="4351338"/>
+            <a:ext cx="10975848" cy="4351338"/>
           </a:xfrm>
         </p:spPr>
         <p:txBody>
           <a:bodyPr>
-            <a:normAutofit lnSpcReduction="10000"/>
+            <a:normAutofit/>
           </a:bodyPr>
           <a:lstStyle/>
           <a:p>
@@ -3446,7 +3550,7 @@
               <a:t>It makes your life easier by </a:t>
             </a:r>
             <a:r>
-              <a:rPr lang="en-US">
+              <a:rPr lang="en-US" dirty="0">
                 <a:solidFill>
                   <a:srgbClr val="00B0F0"/>
                 </a:solidFill>
@@ -3454,12 +3558,8 @@
               <a:t>automating</a:t>
             </a:r>
             <a:r>
-              <a:rPr lang="en-US"/>
-              <a:t> common </a:t>
-            </a:r>
-            <a:r>
-              <a:rPr lang="en-US" dirty="0"/>
-              <a:t>repetitive processes</a:t>
+              <a:rPr lang="en-US" dirty="0"/>
+              <a:t> common repetitive processes</a:t>
             </a:r>
           </a:p>
           <a:p>
@@ -4124,7 +4224,7 @@
         <p:spPr>
           <a:xfrm>
             <a:off x="838200" y="1825625"/>
-            <a:ext cx="5693229" cy="4351338"/>
+            <a:ext cx="11277600" cy="4351338"/>
           </a:xfrm>
         </p:spPr>
         <p:txBody>
@@ -4335,7 +4435,7 @@
         <p:spPr>
           <a:xfrm>
             <a:off x="838200" y="1825625"/>
-            <a:ext cx="5649686" cy="4351338"/>
+            <a:ext cx="10774680" cy="4351338"/>
           </a:xfrm>
         </p:spPr>
         <p:txBody>
@@ -4487,7 +4587,7 @@
         <p:spPr>
           <a:xfrm>
             <a:off x="838200" y="1825625"/>
-            <a:ext cx="5954486" cy="4351338"/>
+            <a:ext cx="10975848" cy="4351338"/>
           </a:xfrm>
         </p:spPr>
         <p:txBody>
@@ -4665,7 +4765,7 @@
         <p:spPr>
           <a:xfrm>
             <a:off x="838200" y="1825625"/>
-            <a:ext cx="5519057" cy="4351338"/>
+            <a:ext cx="11277600" cy="4351338"/>
           </a:xfrm>
         </p:spPr>
         <p:txBody>
@@ -4792,7 +4892,7 @@
         <p:spPr>
           <a:xfrm>
             <a:off x="838200" y="1825625"/>
-            <a:ext cx="5627914" cy="4351338"/>
+            <a:ext cx="11353800" cy="4351338"/>
           </a:xfrm>
         </p:spPr>
         <p:txBody>
